--- a/CS662 final project .pptx
+++ b/CS662 final project .pptx
@@ -5,19 +5,20 @@
     <p:sldMasterId id="2147483844" r:id="rId1"/>
   </p:sldMasterIdLst>
   <p:notesMasterIdLst>
-    <p:notesMasterId r:id="rId12"/>
+    <p:notesMasterId r:id="rId13"/>
   </p:notesMasterIdLst>
   <p:sldIdLst>
     <p:sldId id="261" r:id="rId2"/>
-    <p:sldId id="263" r:id="rId3"/>
-    <p:sldId id="278" r:id="rId4"/>
-    <p:sldId id="282" r:id="rId5"/>
-    <p:sldId id="283" r:id="rId6"/>
-    <p:sldId id="285" r:id="rId7"/>
-    <p:sldId id="288" r:id="rId8"/>
-    <p:sldId id="284" r:id="rId9"/>
-    <p:sldId id="287" r:id="rId10"/>
-    <p:sldId id="277" r:id="rId11"/>
+    <p:sldId id="289" r:id="rId3"/>
+    <p:sldId id="263" r:id="rId4"/>
+    <p:sldId id="278" r:id="rId5"/>
+    <p:sldId id="282" r:id="rId6"/>
+    <p:sldId id="283" r:id="rId7"/>
+    <p:sldId id="285" r:id="rId8"/>
+    <p:sldId id="288" r:id="rId9"/>
+    <p:sldId id="284" r:id="rId10"/>
+    <p:sldId id="287" r:id="rId11"/>
+    <p:sldId id="277" r:id="rId12"/>
   </p:sldIdLst>
   <p:sldSz cx="9144000" cy="6858000" type="letter"/>
   <p:notesSz cx="7010400" cy="9296400"/>
@@ -2746,7 +2747,7 @@
           <a:p>
             <a:fld id="{90EDEE16-6F48-46D5-A37C-528566DE390A}" type="datetimeFigureOut">
               <a:rPr lang="en-US" smtClean="0"/>
-              <a:t>11/30/2022</a:t>
+              <a:t>12/2/2022</a:t>
             </a:fld>
             <a:endParaRPr lang="en-US"/>
           </a:p>
@@ -3078,7 +3079,7 @@
           <a:p>
             <a:fld id="{81A5FECC-F14F-49F0-9B78-0B3E3DC88426}" type="slidenum">
               <a:rPr lang="en-US" smtClean="0"/>
-              <a:t>4</a:t>
+              <a:t>5</a:t>
             </a:fld>
             <a:endParaRPr lang="en-US"/>
           </a:p>
@@ -3306,7 +3307,7 @@
           <a:p>
             <a:fld id="{81A5FECC-F14F-49F0-9B78-0B3E3DC88426}" type="slidenum">
               <a:rPr lang="en-US" smtClean="0"/>
-              <a:t>7</a:t>
+              <a:t>8</a:t>
             </a:fld>
             <a:endParaRPr lang="en-US"/>
           </a:p>
@@ -3549,7 +3550,7 @@
           <a:p>
             <a:fld id="{15E31418-BEAE-443C-9770-E06FC6157949}" type="datetime1">
               <a:rPr lang="en-US" smtClean="0"/>
-              <a:t>11/30/2022</a:t>
+              <a:t>12/2/2022</a:t>
             </a:fld>
             <a:endParaRPr lang="en-US"/>
           </a:p>
@@ -3755,7 +3756,7 @@
           <a:p>
             <a:fld id="{DC37CE9C-F7C4-4C3B-9636-49A338D6EDF8}" type="datetime1">
               <a:rPr lang="en-US" smtClean="0"/>
-              <a:t>11/30/2022</a:t>
+              <a:t>12/2/2022</a:t>
             </a:fld>
             <a:endParaRPr lang="en-US"/>
           </a:p>
@@ -4009,7 +4010,7 @@
           <a:p>
             <a:fld id="{2D98C802-775B-4C1E-9425-6C958B9E608C}" type="datetime1">
               <a:rPr lang="en-US" smtClean="0"/>
-              <a:t>11/30/2022</a:t>
+              <a:t>12/2/2022</a:t>
             </a:fld>
             <a:endParaRPr lang="en-US"/>
           </a:p>
@@ -4177,7 +4178,7 @@
           <a:p>
             <a:fld id="{3FDC6E73-D976-4CE2-9C92-B50EB6FFF363}" type="datetime1">
               <a:rPr lang="en-US" smtClean="0"/>
-              <a:t>11/30/2022</a:t>
+              <a:t>12/2/2022</a:t>
             </a:fld>
             <a:endParaRPr lang="en-US"/>
           </a:p>
@@ -4519,7 +4520,7 @@
           <a:p>
             <a:fld id="{E2C8C966-26EE-4CBA-9AFF-E63ABD7C7E4F}" type="datetime1">
               <a:rPr lang="en-US" smtClean="0"/>
-              <a:t>11/30/2022</a:t>
+              <a:t>12/2/2022</a:t>
             </a:fld>
             <a:endParaRPr lang="en-US"/>
           </a:p>
@@ -4791,7 +4792,7 @@
           <a:p>
             <a:fld id="{B37CC189-ED27-4454-AF3F-8BB205995191}" type="datetime1">
               <a:rPr lang="en-US" smtClean="0"/>
-              <a:t>11/30/2022</a:t>
+              <a:t>12/2/2022</a:t>
             </a:fld>
             <a:endParaRPr lang="en-US"/>
           </a:p>
@@ -5167,7 +5168,7 @@
           <a:p>
             <a:fld id="{FCBB003C-84D6-49D7-ACB4-4E5FBF12ECFA}" type="datetime1">
               <a:rPr lang="en-US" smtClean="0"/>
-              <a:t>11/30/2022</a:t>
+              <a:t>12/2/2022</a:t>
             </a:fld>
             <a:endParaRPr lang="en-US"/>
           </a:p>
@@ -5284,7 +5285,7 @@
           <a:p>
             <a:fld id="{A228511D-91DD-4C57-B16F-3D424C184E57}" type="datetime1">
               <a:rPr lang="en-US" smtClean="0"/>
-              <a:t>11/30/2022</a:t>
+              <a:t>12/2/2022</a:t>
             </a:fld>
             <a:endParaRPr lang="en-US"/>
           </a:p>
@@ -5455,7 +5456,7 @@
           <a:p>
             <a:fld id="{BEE8F7C1-2C7F-497A-B3B4-EFF870C55D62}" type="datetime1">
               <a:rPr lang="en-US" smtClean="0"/>
-              <a:t>11/30/2022</a:t>
+              <a:t>12/2/2022</a:t>
             </a:fld>
             <a:endParaRPr lang="en-US"/>
           </a:p>
@@ -5807,7 +5808,7 @@
           <a:p>
             <a:fld id="{04E07A5E-8A90-4381-B3F0-B0B0A68AC006}" type="datetime1">
               <a:rPr lang="en-US" smtClean="0"/>
-              <a:t>11/30/2022</a:t>
+              <a:t>12/2/2022</a:t>
             </a:fld>
             <a:endParaRPr lang="en-US"/>
           </a:p>
@@ -6187,7 +6188,7 @@
           <a:p>
             <a:fld id="{537FCE26-90F4-4332-8DB7-62DBB25F8994}" type="datetime1">
               <a:rPr lang="en-US" smtClean="0"/>
-              <a:t>11/30/2022</a:t>
+              <a:t>12/2/2022</a:t>
             </a:fld>
             <a:endParaRPr lang="en-US"/>
           </a:p>
@@ -6472,7 +6473,7 @@
           <a:p>
             <a:fld id="{D31EF27F-AB95-403D-8898-8F9B21B614D1}" type="datetime1">
               <a:rPr lang="en-US" smtClean="0"/>
-              <a:t>11/30/2022</a:t>
+              <a:t>12/2/2022</a:t>
             </a:fld>
             <a:endParaRPr lang="en-US"/>
           </a:p>
@@ -7054,7 +7055,7 @@
           <a:lstStyle/>
           <a:p>
             <a:r>
-              <a:rPr lang="en-US" b="1">
+              <a:rPr lang="en-US" b="1" dirty="0">
                 <a:solidFill>
                   <a:schemeClr val="tx1"/>
                 </a:solidFill>
@@ -7142,6 +7143,354 @@
 </file>
 
 <file path=ppt/slides/slide10.xml><?xml version="1.0" encoding="utf-8"?>
+<p:sld xmlns:a="http://schemas.openxmlformats.org/drawingml/2006/main" xmlns:r="http://schemas.openxmlformats.org/officeDocument/2006/relationships" xmlns:p="http://schemas.openxmlformats.org/presentationml/2006/main">
+  <p:cSld>
+    <p:spTree>
+      <p:nvGrpSpPr>
+        <p:cNvPr id="1" name=""/>
+        <p:cNvGrpSpPr/>
+        <p:nvPr/>
+      </p:nvGrpSpPr>
+      <p:grpSpPr>
+        <a:xfrm>
+          <a:off x="0" y="0"/>
+          <a:ext cx="0" cy="0"/>
+          <a:chOff x="0" y="0"/>
+          <a:chExt cx="0" cy="0"/>
+        </a:xfrm>
+      </p:grpSpPr>
+      <p:sp>
+        <p:nvSpPr>
+          <p:cNvPr id="2" name="Title 1">
+            <a:extLst>
+              <a:ext uri="{FF2B5EF4-FFF2-40B4-BE49-F238E27FC236}">
+                <a16:creationId xmlns:a16="http://schemas.microsoft.com/office/drawing/2014/main" id="{0FC2A747-2821-11D5-CEFC-08BBCA26AEDC}"/>
+              </a:ext>
+            </a:extLst>
+          </p:cNvPr>
+          <p:cNvSpPr>
+            <a:spLocks noGrp="1"/>
+          </p:cNvSpPr>
+          <p:nvPr>
+            <p:ph type="title"/>
+          </p:nvPr>
+        </p:nvSpPr>
+        <p:spPr/>
+        <p:txBody>
+          <a:bodyPr/>
+          <a:lstStyle/>
+          <a:p>
+            <a:r>
+              <a:rPr lang="en-US"/>
+              <a:t>Summary</a:t>
+            </a:r>
+          </a:p>
+        </p:txBody>
+      </p:sp>
+      <p:sp>
+        <p:nvSpPr>
+          <p:cNvPr id="3" name="Content Placeholder 2">
+            <a:extLst>
+              <a:ext uri="{FF2B5EF4-FFF2-40B4-BE49-F238E27FC236}">
+                <a16:creationId xmlns:a16="http://schemas.microsoft.com/office/drawing/2014/main" id="{DFD14FEF-64ED-273C-48EF-4CDCAC3B2058}"/>
+              </a:ext>
+            </a:extLst>
+          </p:cNvPr>
+          <p:cNvSpPr>
+            <a:spLocks noGrp="1"/>
+          </p:cNvSpPr>
+          <p:nvPr>
+            <p:ph idx="1"/>
+          </p:nvPr>
+        </p:nvSpPr>
+        <p:spPr>
+          <a:xfrm>
+            <a:off x="822959" y="1845733"/>
+            <a:ext cx="7543801" cy="4462599"/>
+          </a:xfrm>
+        </p:spPr>
+        <p:txBody>
+          <a:bodyPr vert="horz" lIns="0" tIns="45720" rIns="0" bIns="45720" rtlCol="0" anchor="t">
+            <a:normAutofit fontScale="70000" lnSpcReduction="20000"/>
+          </a:bodyPr>
+          <a:lstStyle/>
+          <a:p>
+            <a:pPr>
+              <a:buFont typeface="Wingdings" panose="05000000000000000000" pitchFamily="2" charset="2"/>
+              <a:buChar char="v"/>
+            </a:pPr>
+            <a:r>
+              <a:rPr lang="en-US" dirty="0"/>
+              <a:t>About the corpus</a:t>
+            </a:r>
+          </a:p>
+          <a:p>
+            <a:pPr marL="383540" lvl="1">
+              <a:buFont typeface="Wingdings" panose="05000000000000000000" pitchFamily="2" charset="2"/>
+              <a:buChar char="v"/>
+            </a:pPr>
+            <a:r>
+              <a:rPr lang="en-US" dirty="0"/>
+              <a:t>Our code can create text corpus from any artists of choice</a:t>
+            </a:r>
+            <a:endParaRPr lang="en-US" dirty="0">
+              <a:cs typeface="Calibri" panose="020F0502020204030204"/>
+            </a:endParaRPr>
+          </a:p>
+          <a:p>
+            <a:pPr marL="383540" lvl="1">
+              <a:buFont typeface="Wingdings" panose="05000000000000000000" pitchFamily="2" charset="2"/>
+              <a:buChar char="v"/>
+            </a:pPr>
+            <a:r>
+              <a:rPr lang="en-US" dirty="0"/>
+              <a:t>This is necessary because the styles vary between artists </a:t>
+            </a:r>
+            <a:endParaRPr lang="en-US" dirty="0">
+              <a:cs typeface="Calibri" panose="020F0502020204030204"/>
+            </a:endParaRPr>
+          </a:p>
+          <a:p>
+            <a:pPr>
+              <a:buFont typeface="Wingdings" panose="05000000000000000000" pitchFamily="2" charset="2"/>
+              <a:buChar char="v"/>
+            </a:pPr>
+            <a:r>
+              <a:rPr lang="en-US" dirty="0"/>
+              <a:t>Model 1 (cell-based RNN) - Chenghui Song	</a:t>
+            </a:r>
+            <a:endParaRPr lang="en-US" dirty="0">
+              <a:cs typeface="Calibri"/>
+            </a:endParaRPr>
+          </a:p>
+          <a:p>
+            <a:pPr marL="383540" lvl="1">
+              <a:buFont typeface="Wingdings" panose="05000000000000000000" pitchFamily="2" charset="2"/>
+              <a:buChar char="v"/>
+            </a:pPr>
+            <a:r>
+              <a:rPr lang="en-US" dirty="0"/>
+              <a:t>Learns the styles of the input text and generates similar text</a:t>
+            </a:r>
+            <a:endParaRPr lang="en-US" dirty="0">
+              <a:cs typeface="Calibri" panose="020F0502020204030204"/>
+            </a:endParaRPr>
+          </a:p>
+          <a:p>
+            <a:pPr marL="383540" lvl="1">
+              <a:buFont typeface="Wingdings" panose="05000000000000000000" pitchFamily="2" charset="2"/>
+              <a:buChar char="v"/>
+            </a:pPr>
+            <a:r>
+              <a:rPr lang="en-US" dirty="0"/>
+              <a:t>Can generate text according to given phrases</a:t>
+            </a:r>
+            <a:endParaRPr lang="en-US" dirty="0">
+              <a:cs typeface="Calibri" panose="020F0502020204030204"/>
+            </a:endParaRPr>
+          </a:p>
+          <a:p>
+            <a:pPr marL="383540" lvl="1">
+              <a:buFont typeface="Wingdings" panose="05000000000000000000" pitchFamily="2" charset="2"/>
+              <a:buChar char="v"/>
+            </a:pPr>
+            <a:r>
+              <a:rPr lang="en-US" dirty="0"/>
+              <a:t>Simple and fast but sometime generate non-sense words</a:t>
+            </a:r>
+            <a:endParaRPr lang="en-US" dirty="0">
+              <a:cs typeface="Calibri" panose="020F0502020204030204"/>
+            </a:endParaRPr>
+          </a:p>
+          <a:p>
+            <a:pPr>
+              <a:buFont typeface="Wingdings" panose="05000000000000000000" pitchFamily="2" charset="2"/>
+              <a:buChar char="v"/>
+            </a:pPr>
+            <a:r>
+              <a:rPr lang="en-US" dirty="0"/>
+              <a:t>Model 2 (LSTM with Markov Chains) – Chenghui Song</a:t>
+            </a:r>
+            <a:endParaRPr lang="en-US" dirty="0">
+              <a:cs typeface="Calibri"/>
+            </a:endParaRPr>
+          </a:p>
+          <a:p>
+            <a:pPr marL="383540" lvl="1">
+              <a:buFont typeface="Wingdings" panose="05000000000000000000" pitchFamily="2" charset="2"/>
+              <a:buChar char="v"/>
+            </a:pPr>
+            <a:r>
+              <a:rPr lang="en-US" dirty="0"/>
+              <a:t>Learns the styles including the sequence words and rhythms of the sentences</a:t>
+            </a:r>
+            <a:endParaRPr lang="en-US" dirty="0">
+              <a:cs typeface="Calibri" panose="020F0502020204030204"/>
+            </a:endParaRPr>
+          </a:p>
+          <a:p>
+            <a:pPr marL="383540" lvl="1">
+              <a:buFont typeface="Wingdings" panose="05000000000000000000" pitchFamily="2" charset="2"/>
+              <a:buChar char="v"/>
+            </a:pPr>
+            <a:r>
+              <a:rPr lang="en-US" dirty="0"/>
+              <a:t>Better for corpus with rhythms and verses</a:t>
+            </a:r>
+            <a:endParaRPr lang="en-US" dirty="0">
+              <a:cs typeface="Calibri" panose="020F0502020204030204"/>
+            </a:endParaRPr>
+          </a:p>
+          <a:p>
+            <a:pPr marL="383540" lvl="1">
+              <a:buFont typeface="Wingdings" panose="05000000000000000000" pitchFamily="2" charset="2"/>
+              <a:buChar char="v"/>
+            </a:pPr>
+            <a:r>
+              <a:rPr lang="en-US" dirty="0"/>
+              <a:t>Cannot control the subject of the generated text</a:t>
+            </a:r>
+            <a:endParaRPr lang="en-US" dirty="0">
+              <a:cs typeface="Calibri" panose="020F0502020204030204"/>
+            </a:endParaRPr>
+          </a:p>
+          <a:p>
+            <a:pPr marL="383540" lvl="1">
+              <a:buFont typeface="Wingdings" panose="05000000000000000000" pitchFamily="2" charset="2"/>
+              <a:buChar char="v"/>
+            </a:pPr>
+            <a:r>
+              <a:rPr lang="en-US" dirty="0"/>
+              <a:t>Generate same text if no parameters changed</a:t>
+            </a:r>
+            <a:endParaRPr lang="en-US" dirty="0">
+              <a:cs typeface="Calibri" panose="020F0502020204030204"/>
+            </a:endParaRPr>
+          </a:p>
+          <a:p>
+            <a:pPr>
+              <a:buFont typeface="Wingdings" panose="05000000000000000000" pitchFamily="2" charset="2"/>
+              <a:buChar char="v"/>
+            </a:pPr>
+            <a:r>
+              <a:rPr lang="en-US" dirty="0"/>
+              <a:t>Model 3 (GPT-2) - Dawson Sargent</a:t>
+            </a:r>
+          </a:p>
+          <a:p>
+            <a:pPr marL="383540" lvl="1">
+              <a:buFont typeface="Wingdings" panose="05000000000000000000" pitchFamily="2" charset="2"/>
+              <a:buChar char="v"/>
+            </a:pPr>
+            <a:r>
+              <a:rPr lang="en-US" dirty="0"/>
+              <a:t>From pretrained weights so expecting better performance </a:t>
+            </a:r>
+          </a:p>
+          <a:p>
+            <a:pPr marL="383540" lvl="1">
+              <a:buFont typeface="Wingdings" panose="05000000000000000000" pitchFamily="2" charset="2"/>
+              <a:buChar char="v"/>
+            </a:pPr>
+            <a:r>
+              <a:rPr lang="en-US" dirty="0"/>
+              <a:t>In progress</a:t>
+            </a:r>
+            <a:endParaRPr lang="en-US" dirty="0">
+              <a:cs typeface="Calibri" panose="020F0502020204030204"/>
+            </a:endParaRPr>
+          </a:p>
+          <a:p>
+            <a:pPr>
+              <a:buFont typeface="Wingdings" panose="05000000000000000000" pitchFamily="2" charset="2"/>
+              <a:buChar char="v"/>
+            </a:pPr>
+            <a:r>
+              <a:rPr lang="en-US" dirty="0"/>
+              <a:t>BLEU score - Kelvin Yi</a:t>
+            </a:r>
+            <a:endParaRPr lang="en-US" dirty="0">
+              <a:cs typeface="Calibri"/>
+            </a:endParaRPr>
+          </a:p>
+          <a:p>
+            <a:pPr marL="383540" lvl="1">
+              <a:buFont typeface="Wingdings" panose="05000000000000000000" pitchFamily="2" charset="2"/>
+              <a:buChar char="v"/>
+            </a:pPr>
+            <a:r>
+              <a:rPr lang="en-US" dirty="0"/>
+              <a:t>In progress</a:t>
+            </a:r>
+            <a:endParaRPr lang="en-US" dirty="0">
+              <a:cs typeface="Calibri" panose="020F0502020204030204"/>
+            </a:endParaRPr>
+          </a:p>
+          <a:p>
+            <a:pPr marL="383540" lvl="1">
+              <a:buFont typeface="Wingdings" panose="05000000000000000000" pitchFamily="2" charset="2"/>
+              <a:buChar char="v"/>
+            </a:pPr>
+            <a:r>
+              <a:rPr lang="en-US" dirty="0"/>
+              <a:t>Might not be able to evaluate all models because lacking reference sentences </a:t>
+            </a:r>
+            <a:endParaRPr lang="en-US" dirty="0">
+              <a:cs typeface="Calibri" panose="020F0502020204030204"/>
+            </a:endParaRPr>
+          </a:p>
+          <a:p>
+            <a:pPr>
+              <a:buFont typeface="Wingdings" panose="05000000000000000000" pitchFamily="2" charset="2"/>
+              <a:buChar char="v"/>
+            </a:pPr>
+            <a:endParaRPr lang="en-US" dirty="0"/>
+          </a:p>
+        </p:txBody>
+      </p:sp>
+      <p:sp>
+        <p:nvSpPr>
+          <p:cNvPr id="4" name="Slide Number Placeholder 3">
+            <a:extLst>
+              <a:ext uri="{FF2B5EF4-FFF2-40B4-BE49-F238E27FC236}">
+                <a16:creationId xmlns:a16="http://schemas.microsoft.com/office/drawing/2014/main" id="{4B00080F-0319-4DF5-1890-1AE2A9A4DF16}"/>
+              </a:ext>
+            </a:extLst>
+          </p:cNvPr>
+          <p:cNvSpPr>
+            <a:spLocks noGrp="1"/>
+          </p:cNvSpPr>
+          <p:nvPr>
+            <p:ph type="sldNum" sz="quarter" idx="12"/>
+          </p:nvPr>
+        </p:nvSpPr>
+        <p:spPr/>
+        <p:txBody>
+          <a:bodyPr/>
+          <a:lstStyle/>
+          <a:p>
+            <a:fld id="{194F30FA-2D87-4B59-8F3D-255EDE0B3A43}" type="slidenum">
+              <a:rPr lang="en-US" smtClean="0"/>
+              <a:t>10</a:t>
+            </a:fld>
+            <a:endParaRPr lang="en-US"/>
+          </a:p>
+        </p:txBody>
+      </p:sp>
+    </p:spTree>
+    <p:extLst>
+      <p:ext uri="{BB962C8B-B14F-4D97-AF65-F5344CB8AC3E}">
+        <p14:creationId xmlns:p14="http://schemas.microsoft.com/office/powerpoint/2010/main" val="2366454678"/>
+      </p:ext>
+    </p:extLst>
+  </p:cSld>
+  <p:clrMapOvr>
+    <a:masterClrMapping/>
+  </p:clrMapOvr>
+</p:sld>
+</file>
+
+<file path=ppt/slides/slide11.xml><?xml version="1.0" encoding="utf-8"?>
 <p:sld xmlns:a="http://schemas.openxmlformats.org/drawingml/2006/main" xmlns:r="http://schemas.openxmlformats.org/officeDocument/2006/relationships" xmlns:p="http://schemas.openxmlformats.org/presentationml/2006/main">
   <p:cSld>
     <p:bg>
@@ -7230,46 +7579,46 @@
           <a:lstStyle/>
           <a:p>
             <a:r>
-              <a:rPr lang="en-US" sz="1400" b="1" i="0">
+              <a:rPr lang="en-US" sz="1400" b="1" i="0" dirty="0">
                 <a:effectLst/>
                 <a:latin typeface="+mj-lt"/>
               </a:rPr>
               <a:t>Dataset</a:t>
             </a:r>
             <a:r>
-              <a:rPr lang="en-US" sz="1400" b="0" i="0">
+              <a:rPr lang="en-US" sz="1400" b="0" i="0" dirty="0">
                 <a:effectLst/>
                 <a:latin typeface="+mj-lt"/>
               </a:rPr>
               <a:t>: </a:t>
             </a:r>
             <a:r>
-              <a:rPr lang="en-US" sz="1400" b="0" i="0" u="sng">
+              <a:rPr lang="en-US" sz="1400" b="0" i="0" u="sng" dirty="0">
                 <a:effectLst/>
                 <a:latin typeface="+mj-lt"/>
                 <a:hlinkClick r:id="rId2"/>
               </a:rPr>
               <a:t>https://www.kaggle.com/datasets/neisse/scrapped-lyrics-from-6-genres?select=lyrics-data.csv</a:t>
             </a:r>
-            <a:endParaRPr lang="en-US" sz="1400">
+            <a:endParaRPr lang="en-US" sz="1400" dirty="0">
               <a:latin typeface="+mj-lt"/>
             </a:endParaRPr>
           </a:p>
           <a:p>
             <a:r>
-              <a:rPr lang="en-US" sz="1400" b="1">
+              <a:rPr lang="en-US" sz="1400" b="1" dirty="0">
                 <a:latin typeface="+mj-lt"/>
               </a:rPr>
               <a:t>Create Your Own Artificial Shakespeare in 10 Minutes with Natural Language Processing </a:t>
             </a:r>
             <a:r>
-              <a:rPr lang="en-US" sz="1400">
+              <a:rPr lang="en-US" sz="1400" dirty="0">
                 <a:latin typeface="+mj-lt"/>
                 <a:hlinkClick r:id="rId3"/>
               </a:rPr>
               <a:t>https://towardsdatascience.com/create-your-own-artificial-shakespeare-in-10-minutes-with-natural-language-processing-1fde5edc8f28</a:t>
             </a:r>
-            <a:endParaRPr lang="en-US" sz="1400">
+            <a:endParaRPr lang="en-US" sz="1400" dirty="0">
               <a:latin typeface="+mj-lt"/>
             </a:endParaRPr>
           </a:p>
@@ -7280,7 +7629,7 @@
               </a:spcAft>
             </a:pPr>
             <a:r>
-              <a:rPr lang="en-US" sz="1400" b="1" i="0">
+              <a:rPr lang="en-US" sz="1400" b="1" i="0" dirty="0">
                 <a:effectLst/>
                 <a:latin typeface="+mj-lt"/>
               </a:rPr>
@@ -7294,14 +7643,14 @@
               </a:spcBef>
             </a:pPr>
             <a:r>
-              <a:rPr lang="en-US" sz="1400" b="0" i="0" u="sng">
+              <a:rPr lang="en-US" sz="1400" b="0" i="0" u="sng" dirty="0">
                 <a:effectLst/>
                 <a:latin typeface="+mj-lt"/>
                 <a:hlinkClick r:id="rId4"/>
               </a:rPr>
               <a:t>https://www.kaggle.com/code/paultimothymooney/poetry-generator-rnn-markov</a:t>
             </a:r>
-            <a:endParaRPr lang="en-US" sz="1400" b="0" i="0" u="sng">
+            <a:endParaRPr lang="en-US" sz="1400" b="0" i="0" u="sng" dirty="0">
               <a:effectLst/>
               <a:latin typeface="+mj-lt"/>
             </a:endParaRPr>
@@ -7312,7 +7661,7 @@
                 <a:spcPts val="0"/>
               </a:spcBef>
             </a:pPr>
-            <a:endParaRPr lang="en-US" sz="1400" u="sng">
+            <a:endParaRPr lang="en-US" sz="1400" u="sng" dirty="0">
               <a:latin typeface="+mj-lt"/>
             </a:endParaRPr>
           </a:p>
@@ -7323,19 +7672,19 @@
               </a:spcBef>
             </a:pPr>
             <a:r>
-              <a:rPr lang="en-US" sz="1400" b="1">
+              <a:rPr lang="en-US" sz="1400" b="1" dirty="0">
                 <a:latin typeface="+mj-lt"/>
               </a:rPr>
               <a:t>GPT-2 Model card </a:t>
             </a:r>
             <a:r>
-              <a:rPr lang="en-US" sz="1400" u="sng">
+              <a:rPr lang="en-US" sz="1400" u="sng" dirty="0">
                 <a:latin typeface="+mj-lt"/>
                 <a:hlinkClick r:id="rId5"/>
               </a:rPr>
               <a:t>https://huggingface.co/gpt2</a:t>
             </a:r>
-            <a:endParaRPr lang="en-US" sz="1400" u="sng">
+            <a:endParaRPr lang="en-US" sz="1400" u="sng" dirty="0">
               <a:latin typeface="+mj-lt"/>
             </a:endParaRPr>
           </a:p>
@@ -7345,7 +7694,7 @@
                 <a:spcPts val="0"/>
               </a:spcBef>
             </a:pPr>
-            <a:endParaRPr lang="en-US" sz="1400" u="sng">
+            <a:endParaRPr lang="en-US" sz="1400" u="sng" dirty="0">
               <a:latin typeface="+mj-lt"/>
             </a:endParaRPr>
           </a:p>
@@ -7356,7 +7705,7 @@
               </a:spcBef>
             </a:pPr>
             <a:r>
-              <a:rPr lang="en-US" sz="1400" b="1">
+              <a:rPr lang="en-US" sz="1400" b="1" dirty="0">
                 <a:latin typeface="+mj-lt"/>
               </a:rPr>
               <a:t>Train GPT-2 in your own language</a:t>
@@ -7369,7 +7718,7 @@
               </a:spcBef>
             </a:pPr>
             <a:r>
-              <a:rPr lang="en-US" sz="1400" u="sng">
+              <a:rPr lang="en-US" sz="1400" u="sng" dirty="0">
                 <a:solidFill>
                   <a:srgbClr val="0070C0"/>
                 </a:solidFill>
@@ -7384,7 +7733,7 @@
                 <a:spcPts val="0"/>
               </a:spcBef>
             </a:pPr>
-            <a:endParaRPr lang="en-US" sz="1400" u="sng">
+            <a:endParaRPr lang="en-US" sz="1400" u="sng" dirty="0">
               <a:latin typeface="+mj-lt"/>
             </a:endParaRPr>
           </a:p>
@@ -7395,7 +7744,7 @@
               </a:spcBef>
             </a:pPr>
             <a:r>
-              <a:rPr lang="en-US" sz="1400" b="1">
+              <a:rPr lang="en-US" sz="1400" b="1" dirty="0">
                 <a:latin typeface="+mj-lt"/>
               </a:rPr>
               <a:t>Training a GPT-2 Model From Scratch</a:t>
@@ -7408,13 +7757,13 @@
               </a:spcBef>
             </a:pPr>
             <a:r>
-              <a:rPr lang="en-US" sz="1400" u="sng">
+              <a:rPr lang="en-US" sz="1400" u="sng" dirty="0">
                 <a:latin typeface="+mj-lt"/>
                 <a:hlinkClick r:id="rId6"/>
               </a:rPr>
               <a:t>https://docs.aitextgen.io/tutorials/model-from-scratch/</a:t>
             </a:r>
-            <a:endParaRPr lang="en-US" sz="1400" u="sng">
+            <a:endParaRPr lang="en-US" sz="1400" u="sng" dirty="0">
               <a:latin typeface="+mj-lt"/>
             </a:endParaRPr>
           </a:p>
@@ -7424,7 +7773,7 @@
                 <a:spcPts val="0"/>
               </a:spcBef>
             </a:pPr>
-            <a:endParaRPr lang="en-US" sz="1400" u="sng">
+            <a:endParaRPr lang="en-US" sz="1400" u="sng" dirty="0">
               <a:latin typeface="+mj-lt"/>
             </a:endParaRPr>
           </a:p>
@@ -7435,7 +7784,7 @@
               </a:spcBef>
             </a:pPr>
             <a:r>
-              <a:rPr lang="en-US" sz="1400" b="1">
+              <a:rPr lang="en-US" sz="1400" b="1" dirty="0">
                 <a:solidFill>
                   <a:srgbClr val="222222"/>
                 </a:solidFill>
@@ -7452,7 +7801,7 @@
               </a:spcBef>
             </a:pPr>
             <a:r>
-              <a:rPr lang="en-US" sz="1400">
+              <a:rPr lang="en-US" sz="1400" dirty="0">
                 <a:solidFill>
                   <a:srgbClr val="222222"/>
                 </a:solidFill>
@@ -7463,7 +7812,7 @@
               <a:t>https://machinelearningmastery.com/calculate-bleu-score-for-text-python/</a:t>
             </a:r>
             <a:r>
-              <a:rPr lang="en-US" sz="1400" b="1">
+              <a:rPr lang="en-US" sz="1400" b="1" dirty="0">
                 <a:solidFill>
                   <a:srgbClr val="222222"/>
                 </a:solidFill>
@@ -7479,7 +7828,7 @@
                 <a:spcPts val="0"/>
               </a:spcBef>
             </a:pPr>
-            <a:endParaRPr lang="en-US" sz="1400" u="sng">
+            <a:endParaRPr lang="en-US" sz="1400" u="sng" dirty="0">
               <a:latin typeface="+mj-lt"/>
             </a:endParaRPr>
           </a:p>
@@ -7490,7 +7839,7 @@
               </a:spcBef>
             </a:pPr>
             <a:r>
-              <a:rPr lang="en-US" sz="1400" b="1" i="0">
+              <a:rPr lang="en-US" sz="1400" b="1" i="0" dirty="0">
                 <a:solidFill>
                   <a:srgbClr val="031B4E"/>
                 </a:solidFill>
@@ -7507,14 +7856,14 @@
               </a:spcBef>
             </a:pPr>
             <a:r>
-              <a:rPr lang="en-US" sz="1400" u="sng">
+              <a:rPr lang="en-US" sz="1400" u="sng" dirty="0">
                 <a:latin typeface="+mj-lt"/>
                 <a:hlinkClick r:id="rId8"/>
               </a:rPr>
               <a:t>https://www.digitalocean.com/community/tutorials/bleu-score-in-python</a:t>
             </a:r>
             <a:r>
-              <a:rPr lang="en-US" sz="1400" u="sng">
+              <a:rPr lang="en-US" sz="1400" u="sng" dirty="0">
                 <a:latin typeface="+mj-lt"/>
               </a:rPr>
               <a:t> </a:t>
@@ -7526,7 +7875,7 @@
                 <a:spcPts val="0"/>
               </a:spcBef>
             </a:pPr>
-            <a:endParaRPr lang="en-US" sz="1400" u="sng">
+            <a:endParaRPr lang="en-US" sz="1400" u="sng" dirty="0">
               <a:latin typeface="+mj-lt"/>
             </a:endParaRPr>
           </a:p>
@@ -7546,7 +7895,7 @@
               <a:defRPr/>
             </a:pPr>
             <a:r>
-              <a:rPr lang="en-US" sz="1400" b="1">
+              <a:rPr lang="en-US" sz="1400" b="1" dirty="0">
                 <a:solidFill>
                   <a:schemeClr val="tx1"/>
                 </a:solidFill>
@@ -7562,22 +7911,22 @@
               <a:buNone/>
             </a:pPr>
             <a:r>
-              <a:rPr lang="en-US" sz="1400" u="sng">
+              <a:rPr lang="en-US" sz="1400" u="sng" dirty="0">
                 <a:hlinkClick r:id="rId9"/>
               </a:rPr>
               <a:t>  </a:t>
             </a:r>
             <a:r>
-              <a:rPr lang="en-US" sz="1400">
+              <a:rPr lang="en-US" sz="1400" dirty="0">
                 <a:hlinkClick r:id="rId9"/>
               </a:rPr>
               <a:t> https://github.com/google-research/bleurt</a:t>
             </a:r>
             <a:r>
-              <a:rPr lang="en-US" sz="1400"/>
+              <a:rPr lang="en-US" sz="1400" dirty="0"/>
               <a:t> </a:t>
             </a:r>
-            <a:endParaRPr lang="en-US" sz="1400" u="sng">
+            <a:endParaRPr lang="en-US" sz="1400" u="sng" dirty="0">
               <a:latin typeface="+mj-lt"/>
             </a:endParaRPr>
           </a:p>
@@ -7641,7 +7990,7 @@
           <a:p>
             <a:fld id="{194F30FA-2D87-4B59-8F3D-255EDE0B3A43}" type="slidenum">
               <a:rPr lang="en-US" smtClean="0"/>
-              <a:t>10</a:t>
+              <a:t>11</a:t>
             </a:fld>
             <a:endParaRPr lang="en-US"/>
           </a:p>
@@ -7682,6 +8031,225 @@
           <p:cNvPr id="2" name="Title 1">
             <a:extLst>
               <a:ext uri="{FF2B5EF4-FFF2-40B4-BE49-F238E27FC236}">
+                <a16:creationId xmlns:a16="http://schemas.microsoft.com/office/drawing/2014/main" id="{3464B852-20A5-375F-C640-010DC67FC176}"/>
+              </a:ext>
+            </a:extLst>
+          </p:cNvPr>
+          <p:cNvSpPr>
+            <a:spLocks noGrp="1"/>
+          </p:cNvSpPr>
+          <p:nvPr>
+            <p:ph type="title"/>
+          </p:nvPr>
+        </p:nvSpPr>
+        <p:spPr/>
+        <p:txBody>
+          <a:bodyPr/>
+          <a:lstStyle/>
+          <a:p>
+            <a:r>
+              <a:rPr lang="en-US" dirty="0"/>
+              <a:t>Aims/Abstract</a:t>
+            </a:r>
+          </a:p>
+        </p:txBody>
+      </p:sp>
+      <p:sp>
+        <p:nvSpPr>
+          <p:cNvPr id="3" name="Content Placeholder 2">
+            <a:extLst>
+              <a:ext uri="{FF2B5EF4-FFF2-40B4-BE49-F238E27FC236}">
+                <a16:creationId xmlns:a16="http://schemas.microsoft.com/office/drawing/2014/main" id="{A56AC2F0-3E9C-8A81-9645-4A7C1D711A3D}"/>
+              </a:ext>
+            </a:extLst>
+          </p:cNvPr>
+          <p:cNvSpPr>
+            <a:spLocks noGrp="1"/>
+          </p:cNvSpPr>
+          <p:nvPr>
+            <p:ph idx="1"/>
+          </p:nvPr>
+        </p:nvSpPr>
+        <p:spPr/>
+        <p:txBody>
+          <a:bodyPr/>
+          <a:lstStyle/>
+          <a:p>
+            <a:pPr>
+              <a:buFont typeface="Wingdings" panose="05000000000000000000" pitchFamily="2" charset="2"/>
+              <a:buChar char="v"/>
+            </a:pPr>
+            <a:r>
+              <a:rPr lang="en-US" dirty="0"/>
+              <a:t>Dataset: 2 csv files from </a:t>
+            </a:r>
+            <a:r>
+              <a:rPr lang="en-US" sz="1200" dirty="0">
+                <a:hlinkClick r:id="rId2"/>
+              </a:rPr>
+              <a:t>https://www.kaggle.com/datasets/neisse/scrapped-lyrics-from-6-genres?select=lyrics-data.csv</a:t>
+            </a:r>
+            <a:endParaRPr lang="en-US" sz="1200" dirty="0"/>
+          </a:p>
+          <a:p>
+            <a:pPr lvl="1">
+              <a:buFont typeface="Wingdings" panose="05000000000000000000" pitchFamily="2" charset="2"/>
+              <a:buChar char="v"/>
+            </a:pPr>
+            <a:r>
+              <a:rPr lang="en-US" dirty="0"/>
+              <a:t>Generate corpus with lyric sentences</a:t>
+            </a:r>
+          </a:p>
+          <a:p>
+            <a:pPr>
+              <a:buFont typeface="Wingdings" panose="05000000000000000000" pitchFamily="2" charset="2"/>
+              <a:buChar char="v"/>
+            </a:pPr>
+            <a:r>
+              <a:rPr lang="en-US" dirty="0"/>
+              <a:t>Train NLP models to generate text that mimic the input strings</a:t>
+            </a:r>
+          </a:p>
+          <a:p>
+            <a:pPr lvl="1">
+              <a:buFont typeface="Wingdings" panose="05000000000000000000" pitchFamily="2" charset="2"/>
+              <a:buChar char="v"/>
+            </a:pPr>
+            <a:r>
+              <a:rPr lang="en-US" dirty="0"/>
+              <a:t>Cell-based RNN</a:t>
+            </a:r>
+          </a:p>
+          <a:p>
+            <a:pPr lvl="1">
+              <a:buFont typeface="Wingdings" panose="05000000000000000000" pitchFamily="2" charset="2"/>
+              <a:buChar char="v"/>
+            </a:pPr>
+            <a:r>
+              <a:rPr lang="en-US" dirty="0"/>
+              <a:t>LSTM with Markov chains</a:t>
+            </a:r>
+          </a:p>
+          <a:p>
+            <a:pPr lvl="1">
+              <a:buFont typeface="Wingdings" panose="05000000000000000000" pitchFamily="2" charset="2"/>
+              <a:buChar char="v"/>
+            </a:pPr>
+            <a:r>
+              <a:rPr lang="en-US" dirty="0"/>
+              <a:t>GPT-2</a:t>
+            </a:r>
+          </a:p>
+          <a:p>
+            <a:pPr marL="201168" lvl="1" indent="0">
+              <a:buNone/>
+            </a:pPr>
+            <a:endParaRPr lang="en-US" dirty="0"/>
+          </a:p>
+          <a:p>
+            <a:pPr>
+              <a:buFont typeface="Wingdings" panose="05000000000000000000" pitchFamily="2" charset="2"/>
+              <a:buChar char="v"/>
+            </a:pPr>
+            <a:r>
+              <a:rPr lang="en-US" dirty="0"/>
+              <a:t>Model evaluation</a:t>
+            </a:r>
+          </a:p>
+          <a:p>
+            <a:pPr lvl="1">
+              <a:buFont typeface="Wingdings" panose="05000000000000000000" pitchFamily="2" charset="2"/>
+              <a:buChar char="v"/>
+            </a:pPr>
+            <a:r>
+              <a:rPr lang="en-US" dirty="0"/>
+              <a:t> BLEU</a:t>
+            </a:r>
+          </a:p>
+          <a:p>
+            <a:pPr lvl="1">
+              <a:buFont typeface="Wingdings" panose="05000000000000000000" pitchFamily="2" charset="2"/>
+              <a:buChar char="v"/>
+            </a:pPr>
+            <a:r>
+              <a:rPr lang="en-US" dirty="0"/>
+              <a:t> BLEURT</a:t>
+            </a:r>
+          </a:p>
+          <a:p>
+            <a:pPr lvl="1">
+              <a:buFont typeface="Wingdings" panose="05000000000000000000" pitchFamily="2" charset="2"/>
+              <a:buChar char="v"/>
+            </a:pPr>
+            <a:endParaRPr lang="en-US" dirty="0"/>
+          </a:p>
+        </p:txBody>
+      </p:sp>
+      <p:sp>
+        <p:nvSpPr>
+          <p:cNvPr id="4" name="Slide Number Placeholder 3">
+            <a:extLst>
+              <a:ext uri="{FF2B5EF4-FFF2-40B4-BE49-F238E27FC236}">
+                <a16:creationId xmlns:a16="http://schemas.microsoft.com/office/drawing/2014/main" id="{2716D991-353A-454C-1133-5D436B950C00}"/>
+              </a:ext>
+            </a:extLst>
+          </p:cNvPr>
+          <p:cNvSpPr>
+            <a:spLocks noGrp="1"/>
+          </p:cNvSpPr>
+          <p:nvPr>
+            <p:ph type="sldNum" sz="quarter" idx="12"/>
+          </p:nvPr>
+        </p:nvSpPr>
+        <p:spPr/>
+        <p:txBody>
+          <a:bodyPr/>
+          <a:lstStyle/>
+          <a:p>
+            <a:fld id="{194F30FA-2D87-4B59-8F3D-255EDE0B3A43}" type="slidenum">
+              <a:rPr lang="en-US" smtClean="0"/>
+              <a:t>2</a:t>
+            </a:fld>
+            <a:endParaRPr lang="en-US"/>
+          </a:p>
+        </p:txBody>
+      </p:sp>
+    </p:spTree>
+    <p:extLst>
+      <p:ext uri="{BB962C8B-B14F-4D97-AF65-F5344CB8AC3E}">
+        <p14:creationId xmlns:p14="http://schemas.microsoft.com/office/powerpoint/2010/main" val="2717231076"/>
+      </p:ext>
+    </p:extLst>
+  </p:cSld>
+  <p:clrMapOvr>
+    <a:masterClrMapping/>
+  </p:clrMapOvr>
+</p:sld>
+</file>
+
+<file path=ppt/slides/slide3.xml><?xml version="1.0" encoding="utf-8"?>
+<p:sld xmlns:a="http://schemas.openxmlformats.org/drawingml/2006/main" xmlns:r="http://schemas.openxmlformats.org/officeDocument/2006/relationships" xmlns:p="http://schemas.openxmlformats.org/presentationml/2006/main">
+  <p:cSld>
+    <p:spTree>
+      <p:nvGrpSpPr>
+        <p:cNvPr id="1" name=""/>
+        <p:cNvGrpSpPr/>
+        <p:nvPr/>
+      </p:nvGrpSpPr>
+      <p:grpSpPr>
+        <a:xfrm>
+          <a:off x="0" y="0"/>
+          <a:ext cx="0" cy="0"/>
+          <a:chOff x="0" y="0"/>
+          <a:chExt cx="0" cy="0"/>
+        </a:xfrm>
+      </p:grpSpPr>
+      <p:sp>
+        <p:nvSpPr>
+          <p:cNvPr id="2" name="Title 1">
+            <a:extLst>
+              <a:ext uri="{FF2B5EF4-FFF2-40B4-BE49-F238E27FC236}">
                 <a16:creationId xmlns:a16="http://schemas.microsoft.com/office/drawing/2014/main" id="{A9B0C219-A161-ADFA-C757-DD2AFE725D6D}"/>
               </a:ext>
             </a:extLst>
@@ -7892,7 +8460,7 @@
           <a:p>
             <a:fld id="{194F30FA-2D87-4B59-8F3D-255EDE0B3A43}" type="slidenum">
               <a:rPr lang="en-US" smtClean="0"/>
-              <a:t>2</a:t>
+              <a:t>3</a:t>
             </a:fld>
             <a:endParaRPr lang="en-US"/>
           </a:p>
@@ -8211,7 +8779,7 @@
             <a:p>
               <a:pPr algn="ctr"/>
               <a:r>
-                <a:rPr lang="en-US" sz="1600"/>
+                <a:rPr lang="en-US" sz="1600" dirty="0"/>
                 <a:t>LSTM with Markov chain (words)</a:t>
               </a:r>
             </a:p>
@@ -8252,8 +8820,8 @@
             <a:p>
               <a:pPr algn="ctr"/>
               <a:r>
-                <a:rPr lang="en-US" sz="1600"/>
-                <a:t>GPT-2 (tokens)</a:t>
+                <a:rPr lang="en-US" sz="1600" dirty="0"/>
+                <a:t>GPT-2 (words)</a:t>
               </a:r>
             </a:p>
           </p:txBody>
@@ -8576,7 +9144,7 @@
 </p:sld>
 </file>
 
-<file path=ppt/slides/slide3.xml><?xml version="1.0" encoding="utf-8"?>
+<file path=ppt/slides/slide4.xml><?xml version="1.0" encoding="utf-8"?>
 <p:sld xmlns:a="http://schemas.openxmlformats.org/drawingml/2006/main" xmlns:r="http://schemas.openxmlformats.org/officeDocument/2006/relationships" xmlns:p="http://schemas.openxmlformats.org/presentationml/2006/main">
   <p:cSld>
     <p:spTree>
@@ -8645,7 +9213,7 @@
           <a:p>
             <a:fld id="{194F30FA-2D87-4B59-8F3D-255EDE0B3A43}" type="slidenum">
               <a:rPr lang="en-US" smtClean="0"/>
-              <a:t>3</a:t>
+              <a:t>4</a:t>
             </a:fld>
             <a:endParaRPr lang="en-US"/>
           </a:p>
@@ -8983,7 +9551,7 @@
 </p:sld>
 </file>
 
-<file path=ppt/slides/slide4.xml><?xml version="1.0" encoding="utf-8"?>
+<file path=ppt/slides/slide5.xml><?xml version="1.0" encoding="utf-8"?>
 <p:sld xmlns:a="http://schemas.openxmlformats.org/drawingml/2006/main" xmlns:r="http://schemas.openxmlformats.org/officeDocument/2006/relationships" xmlns:p="http://schemas.openxmlformats.org/presentationml/2006/main">
   <p:cSld>
     <p:spTree>
@@ -9023,7 +9591,7 @@
           <a:p>
             <a:fld id="{194F30FA-2D87-4B59-8F3D-255EDE0B3A43}" type="slidenum">
               <a:rPr lang="en-US" smtClean="0"/>
-              <a:t>4</a:t>
+              <a:t>5</a:t>
             </a:fld>
             <a:endParaRPr lang="en-US"/>
           </a:p>
@@ -10348,7 +10916,7 @@
 </p:sld>
 </file>
 
-<file path=ppt/slides/slide5.xml><?xml version="1.0" encoding="utf-8"?>
+<file path=ppt/slides/slide6.xml><?xml version="1.0" encoding="utf-8"?>
 <p:sld xmlns:a="http://schemas.openxmlformats.org/drawingml/2006/main" xmlns:r="http://schemas.openxmlformats.org/officeDocument/2006/relationships" xmlns:p="http://schemas.openxmlformats.org/presentationml/2006/main">
   <p:cSld>
     <p:spTree>
@@ -10388,7 +10956,7 @@
           <a:p>
             <a:fld id="{194F30FA-2D87-4B59-8F3D-255EDE0B3A43}" type="slidenum">
               <a:rPr lang="en-US" smtClean="0"/>
-              <a:t>5</a:t>
+              <a:t>6</a:t>
             </a:fld>
             <a:endParaRPr lang="en-US"/>
           </a:p>
@@ -11145,7 +11713,7 @@
 </p:sld>
 </file>
 
-<file path=ppt/slides/slide6.xml><?xml version="1.0" encoding="utf-8"?>
+<file path=ppt/slides/slide7.xml><?xml version="1.0" encoding="utf-8"?>
 <p:sld xmlns:a="http://schemas.openxmlformats.org/drawingml/2006/main" xmlns:r="http://schemas.openxmlformats.org/officeDocument/2006/relationships" xmlns:p="http://schemas.openxmlformats.org/presentationml/2006/main">
   <p:cSld>
     <p:spTree>
@@ -11220,7 +11788,7 @@
           <a:p>
             <a:fld id="{194F30FA-2D87-4B59-8F3D-255EDE0B3A43}" type="slidenum">
               <a:rPr lang="en-US" smtClean="0"/>
-              <a:t>6</a:t>
+              <a:t>7</a:t>
             </a:fld>
             <a:endParaRPr lang="en-US"/>
           </a:p>
@@ -12101,7 +12669,7 @@
 </p:sld>
 </file>
 
-<file path=ppt/slides/slide7.xml><?xml version="1.0" encoding="utf-8"?>
+<file path=ppt/slides/slide8.xml><?xml version="1.0" encoding="utf-8"?>
 <p:sld xmlns:a="http://schemas.openxmlformats.org/drawingml/2006/main" xmlns:r="http://schemas.openxmlformats.org/officeDocument/2006/relationships" xmlns:p="http://schemas.openxmlformats.org/presentationml/2006/main">
   <p:cSld>
     <p:spTree>
@@ -12169,7 +12737,7 @@
           <a:p>
             <a:fld id="{194F30FA-2D87-4B59-8F3D-255EDE0B3A43}" type="slidenum">
               <a:rPr lang="en-US" smtClean="0"/>
-              <a:t>7</a:t>
+              <a:t>8</a:t>
             </a:fld>
             <a:endParaRPr lang="en-US"/>
           </a:p>
@@ -12374,7 +12942,7 @@
 </p:sld>
 </file>
 
-<file path=ppt/slides/slide8.xml><?xml version="1.0" encoding="utf-8"?>
+<file path=ppt/slides/slide9.xml><?xml version="1.0" encoding="utf-8"?>
 <p:sld xmlns:a="http://schemas.openxmlformats.org/drawingml/2006/main" xmlns:r="http://schemas.openxmlformats.org/officeDocument/2006/relationships" xmlns:p="http://schemas.openxmlformats.org/presentationml/2006/main">
   <p:cSld>
     <p:spTree>
@@ -12442,7 +13010,7 @@
           <a:p>
             <a:fld id="{194F30FA-2D87-4B59-8F3D-255EDE0B3A43}" type="slidenum">
               <a:rPr lang="en-US" smtClean="0"/>
-              <a:t>8</a:t>
+              <a:t>9</a:t>
             </a:fld>
             <a:endParaRPr lang="en-US"/>
           </a:p>
@@ -12652,354 +13220,6 @@
     <p:extLst>
       <p:ext uri="{BB962C8B-B14F-4D97-AF65-F5344CB8AC3E}">
         <p14:creationId xmlns:p14="http://schemas.microsoft.com/office/powerpoint/2010/main" val="242814120"/>
-      </p:ext>
-    </p:extLst>
-  </p:cSld>
-  <p:clrMapOvr>
-    <a:masterClrMapping/>
-  </p:clrMapOvr>
-</p:sld>
-</file>
-
-<file path=ppt/slides/slide9.xml><?xml version="1.0" encoding="utf-8"?>
-<p:sld xmlns:a="http://schemas.openxmlformats.org/drawingml/2006/main" xmlns:r="http://schemas.openxmlformats.org/officeDocument/2006/relationships" xmlns:p="http://schemas.openxmlformats.org/presentationml/2006/main">
-  <p:cSld>
-    <p:spTree>
-      <p:nvGrpSpPr>
-        <p:cNvPr id="1" name=""/>
-        <p:cNvGrpSpPr/>
-        <p:nvPr/>
-      </p:nvGrpSpPr>
-      <p:grpSpPr>
-        <a:xfrm>
-          <a:off x="0" y="0"/>
-          <a:ext cx="0" cy="0"/>
-          <a:chOff x="0" y="0"/>
-          <a:chExt cx="0" cy="0"/>
-        </a:xfrm>
-      </p:grpSpPr>
-      <p:sp>
-        <p:nvSpPr>
-          <p:cNvPr id="2" name="Title 1">
-            <a:extLst>
-              <a:ext uri="{FF2B5EF4-FFF2-40B4-BE49-F238E27FC236}">
-                <a16:creationId xmlns:a16="http://schemas.microsoft.com/office/drawing/2014/main" id="{0FC2A747-2821-11D5-CEFC-08BBCA26AEDC}"/>
-              </a:ext>
-            </a:extLst>
-          </p:cNvPr>
-          <p:cNvSpPr>
-            <a:spLocks noGrp="1"/>
-          </p:cNvSpPr>
-          <p:nvPr>
-            <p:ph type="title"/>
-          </p:nvPr>
-        </p:nvSpPr>
-        <p:spPr/>
-        <p:txBody>
-          <a:bodyPr/>
-          <a:lstStyle/>
-          <a:p>
-            <a:r>
-              <a:rPr lang="en-US"/>
-              <a:t>Summary</a:t>
-            </a:r>
-          </a:p>
-        </p:txBody>
-      </p:sp>
-      <p:sp>
-        <p:nvSpPr>
-          <p:cNvPr id="3" name="Content Placeholder 2">
-            <a:extLst>
-              <a:ext uri="{FF2B5EF4-FFF2-40B4-BE49-F238E27FC236}">
-                <a16:creationId xmlns:a16="http://schemas.microsoft.com/office/drawing/2014/main" id="{DFD14FEF-64ED-273C-48EF-4CDCAC3B2058}"/>
-              </a:ext>
-            </a:extLst>
-          </p:cNvPr>
-          <p:cNvSpPr>
-            <a:spLocks noGrp="1"/>
-          </p:cNvSpPr>
-          <p:nvPr>
-            <p:ph idx="1"/>
-          </p:nvPr>
-        </p:nvSpPr>
-        <p:spPr>
-          <a:xfrm>
-            <a:off x="822959" y="1845733"/>
-            <a:ext cx="7543801" cy="4462599"/>
-          </a:xfrm>
-        </p:spPr>
-        <p:txBody>
-          <a:bodyPr vert="horz" lIns="0" tIns="45720" rIns="0" bIns="45720" rtlCol="0" anchor="t">
-            <a:normAutofit fontScale="70000" lnSpcReduction="20000"/>
-          </a:bodyPr>
-          <a:lstStyle/>
-          <a:p>
-            <a:pPr>
-              <a:buFont typeface="Wingdings" panose="05000000000000000000" pitchFamily="2" charset="2"/>
-              <a:buChar char="v"/>
-            </a:pPr>
-            <a:r>
-              <a:rPr lang="en-US"/>
-              <a:t>About the corpus</a:t>
-            </a:r>
-          </a:p>
-          <a:p>
-            <a:pPr marL="383540" lvl="1">
-              <a:buFont typeface="Wingdings" panose="05000000000000000000" pitchFamily="2" charset="2"/>
-              <a:buChar char="v"/>
-            </a:pPr>
-            <a:r>
-              <a:rPr lang="en-US"/>
-              <a:t>Our code can create text corpus from any artists of choice</a:t>
-            </a:r>
-            <a:endParaRPr lang="en-US">
-              <a:cs typeface="Calibri" panose="020F0502020204030204"/>
-            </a:endParaRPr>
-          </a:p>
-          <a:p>
-            <a:pPr marL="383540" lvl="1">
-              <a:buFont typeface="Wingdings" panose="05000000000000000000" pitchFamily="2" charset="2"/>
-              <a:buChar char="v"/>
-            </a:pPr>
-            <a:r>
-              <a:rPr lang="en-US"/>
-              <a:t>This is necessary because the styles vary between artists </a:t>
-            </a:r>
-            <a:endParaRPr lang="en-US">
-              <a:cs typeface="Calibri" panose="020F0502020204030204"/>
-            </a:endParaRPr>
-          </a:p>
-          <a:p>
-            <a:pPr>
-              <a:buFont typeface="Wingdings" panose="05000000000000000000" pitchFamily="2" charset="2"/>
-              <a:buChar char="v"/>
-            </a:pPr>
-            <a:r>
-              <a:rPr lang="en-US"/>
-              <a:t>Model 1 (cell-based RNN)</a:t>
-            </a:r>
-            <a:endParaRPr lang="en-US">
-              <a:cs typeface="Calibri"/>
-            </a:endParaRPr>
-          </a:p>
-          <a:p>
-            <a:pPr marL="383540" lvl="1">
-              <a:buFont typeface="Wingdings" panose="05000000000000000000" pitchFamily="2" charset="2"/>
-              <a:buChar char="v"/>
-            </a:pPr>
-            <a:r>
-              <a:rPr lang="en-US"/>
-              <a:t>Learns the styles of the input text and generates similar text</a:t>
-            </a:r>
-            <a:endParaRPr lang="en-US">
-              <a:cs typeface="Calibri" panose="020F0502020204030204"/>
-            </a:endParaRPr>
-          </a:p>
-          <a:p>
-            <a:pPr marL="383540" lvl="1">
-              <a:buFont typeface="Wingdings" panose="05000000000000000000" pitchFamily="2" charset="2"/>
-              <a:buChar char="v"/>
-            </a:pPr>
-            <a:r>
-              <a:rPr lang="en-US"/>
-              <a:t>Can generate text according to given phrases</a:t>
-            </a:r>
-            <a:endParaRPr lang="en-US">
-              <a:cs typeface="Calibri" panose="020F0502020204030204"/>
-            </a:endParaRPr>
-          </a:p>
-          <a:p>
-            <a:pPr marL="383540" lvl="1">
-              <a:buFont typeface="Wingdings" panose="05000000000000000000" pitchFamily="2" charset="2"/>
-              <a:buChar char="v"/>
-            </a:pPr>
-            <a:r>
-              <a:rPr lang="en-US"/>
-              <a:t>Simple and fast but sometime generate non-sense words</a:t>
-            </a:r>
-            <a:endParaRPr lang="en-US">
-              <a:cs typeface="Calibri" panose="020F0502020204030204"/>
-            </a:endParaRPr>
-          </a:p>
-          <a:p>
-            <a:pPr>
-              <a:buFont typeface="Wingdings" panose="05000000000000000000" pitchFamily="2" charset="2"/>
-              <a:buChar char="v"/>
-            </a:pPr>
-            <a:r>
-              <a:rPr lang="en-US"/>
-              <a:t>Model 2 (LSTM with Markov Chains)</a:t>
-            </a:r>
-            <a:endParaRPr lang="en-US">
-              <a:cs typeface="Calibri"/>
-            </a:endParaRPr>
-          </a:p>
-          <a:p>
-            <a:pPr marL="383540" lvl="1">
-              <a:buFont typeface="Wingdings" panose="05000000000000000000" pitchFamily="2" charset="2"/>
-              <a:buChar char="v"/>
-            </a:pPr>
-            <a:r>
-              <a:rPr lang="en-US"/>
-              <a:t>Learns the styles including the sequence words and rhythms of the sentences</a:t>
-            </a:r>
-            <a:endParaRPr lang="en-US">
-              <a:cs typeface="Calibri" panose="020F0502020204030204"/>
-            </a:endParaRPr>
-          </a:p>
-          <a:p>
-            <a:pPr marL="383540" lvl="1">
-              <a:buFont typeface="Wingdings" panose="05000000000000000000" pitchFamily="2" charset="2"/>
-              <a:buChar char="v"/>
-            </a:pPr>
-            <a:r>
-              <a:rPr lang="en-US"/>
-              <a:t>Better for corpus with rhythms and verses</a:t>
-            </a:r>
-            <a:endParaRPr lang="en-US">
-              <a:cs typeface="Calibri" panose="020F0502020204030204"/>
-            </a:endParaRPr>
-          </a:p>
-          <a:p>
-            <a:pPr marL="383540" lvl="1">
-              <a:buFont typeface="Wingdings" panose="05000000000000000000" pitchFamily="2" charset="2"/>
-              <a:buChar char="v"/>
-            </a:pPr>
-            <a:r>
-              <a:rPr lang="en-US"/>
-              <a:t>Cannot control the subject of the generated text</a:t>
-            </a:r>
-            <a:endParaRPr lang="en-US">
-              <a:cs typeface="Calibri" panose="020F0502020204030204"/>
-            </a:endParaRPr>
-          </a:p>
-          <a:p>
-            <a:pPr marL="383540" lvl="1">
-              <a:buFont typeface="Wingdings" panose="05000000000000000000" pitchFamily="2" charset="2"/>
-              <a:buChar char="v"/>
-            </a:pPr>
-            <a:r>
-              <a:rPr lang="en-US"/>
-              <a:t>Generate same text if no parameters changed</a:t>
-            </a:r>
-            <a:endParaRPr lang="en-US">
-              <a:cs typeface="Calibri" panose="020F0502020204030204"/>
-            </a:endParaRPr>
-          </a:p>
-          <a:p>
-            <a:pPr>
-              <a:buFont typeface="Wingdings" panose="05000000000000000000" pitchFamily="2" charset="2"/>
-              <a:buChar char="v"/>
-            </a:pPr>
-            <a:r>
-              <a:rPr lang="en-US"/>
-              <a:t>Model 3 (GPT-2)</a:t>
-            </a:r>
-          </a:p>
-          <a:p>
-            <a:pPr marL="383540" lvl="1">
-              <a:buFont typeface="Wingdings" panose="05000000000000000000" pitchFamily="2" charset="2"/>
-              <a:buChar char="v"/>
-            </a:pPr>
-            <a:r>
-              <a:rPr lang="en-US"/>
-              <a:t>From pretrained weights so expecting better performance </a:t>
-            </a:r>
-          </a:p>
-          <a:p>
-            <a:pPr marL="383540" lvl="1">
-              <a:buFont typeface="Wingdings" panose="05000000000000000000" pitchFamily="2" charset="2"/>
-              <a:buChar char="v"/>
-            </a:pPr>
-            <a:r>
-              <a:rPr lang="en-US"/>
-              <a:t>In progress</a:t>
-            </a:r>
-            <a:endParaRPr lang="en-US">
-              <a:cs typeface="Calibri" panose="020F0502020204030204"/>
-            </a:endParaRPr>
-          </a:p>
-          <a:p>
-            <a:pPr>
-              <a:buFont typeface="Wingdings" panose="05000000000000000000" pitchFamily="2" charset="2"/>
-              <a:buChar char="v"/>
-            </a:pPr>
-            <a:r>
-              <a:rPr lang="en-US"/>
-              <a:t>BLEU score</a:t>
-            </a:r>
-            <a:endParaRPr lang="en-US">
-              <a:cs typeface="Calibri"/>
-            </a:endParaRPr>
-          </a:p>
-          <a:p>
-            <a:pPr marL="383540" lvl="1">
-              <a:buFont typeface="Wingdings" panose="05000000000000000000" pitchFamily="2" charset="2"/>
-              <a:buChar char="v"/>
-            </a:pPr>
-            <a:r>
-              <a:rPr lang="en-US"/>
-              <a:t>In progress</a:t>
-            </a:r>
-            <a:endParaRPr lang="en-US">
-              <a:cs typeface="Calibri" panose="020F0502020204030204"/>
-            </a:endParaRPr>
-          </a:p>
-          <a:p>
-            <a:pPr marL="383540" lvl="1">
-              <a:buFont typeface="Wingdings" panose="05000000000000000000" pitchFamily="2" charset="2"/>
-              <a:buChar char="v"/>
-            </a:pPr>
-            <a:r>
-              <a:rPr lang="en-US"/>
-              <a:t>Might not be able to evaluate all models because lacking reference sentences </a:t>
-            </a:r>
-            <a:endParaRPr lang="en-US">
-              <a:cs typeface="Calibri" panose="020F0502020204030204"/>
-            </a:endParaRPr>
-          </a:p>
-          <a:p>
-            <a:pPr>
-              <a:buFont typeface="Wingdings" panose="05000000000000000000" pitchFamily="2" charset="2"/>
-              <a:buChar char="v"/>
-            </a:pPr>
-            <a:endParaRPr lang="en-US"/>
-          </a:p>
-        </p:txBody>
-      </p:sp>
-      <p:sp>
-        <p:nvSpPr>
-          <p:cNvPr id="4" name="Slide Number Placeholder 3">
-            <a:extLst>
-              <a:ext uri="{FF2B5EF4-FFF2-40B4-BE49-F238E27FC236}">
-                <a16:creationId xmlns:a16="http://schemas.microsoft.com/office/drawing/2014/main" id="{4B00080F-0319-4DF5-1890-1AE2A9A4DF16}"/>
-              </a:ext>
-            </a:extLst>
-          </p:cNvPr>
-          <p:cNvSpPr>
-            <a:spLocks noGrp="1"/>
-          </p:cNvSpPr>
-          <p:nvPr>
-            <p:ph type="sldNum" sz="quarter" idx="12"/>
-          </p:nvPr>
-        </p:nvSpPr>
-        <p:spPr/>
-        <p:txBody>
-          <a:bodyPr/>
-          <a:lstStyle/>
-          <a:p>
-            <a:fld id="{194F30FA-2D87-4B59-8F3D-255EDE0B3A43}" type="slidenum">
-              <a:rPr lang="en-US" smtClean="0"/>
-              <a:t>9</a:t>
-            </a:fld>
-            <a:endParaRPr lang="en-US"/>
-          </a:p>
-        </p:txBody>
-      </p:sp>
-    </p:spTree>
-    <p:extLst>
-      <p:ext uri="{BB962C8B-B14F-4D97-AF65-F5344CB8AC3E}">
-        <p14:creationId xmlns:p14="http://schemas.microsoft.com/office/powerpoint/2010/main" val="2366454678"/>
       </p:ext>
     </p:extLst>
   </p:cSld>
